--- a/документы/Презентация проекта для программистов1.pptx
+++ b/документы/Презентация проекта для программистов1.pptx
@@ -5,7 +5,7 @@
     <p:sldMasterId id="2147483684" r:id="rId1"/>
   </p:sldMasterIdLst>
   <p:notesMasterIdLst>
-    <p:notesMasterId r:id="rId13"/>
+    <p:notesMasterId r:id="rId11"/>
   </p:notesMasterIdLst>
   <p:sldIdLst>
     <p:sldId id="256" r:id="rId2"/>
@@ -14,11 +14,9 @@
     <p:sldId id="258" r:id="rId5"/>
     <p:sldId id="260" r:id="rId6"/>
     <p:sldId id="261" r:id="rId7"/>
-    <p:sldId id="262" r:id="rId8"/>
-    <p:sldId id="264" r:id="rId9"/>
-    <p:sldId id="265" r:id="rId10"/>
-    <p:sldId id="266" r:id="rId11"/>
-    <p:sldId id="267" r:id="rId12"/>
+    <p:sldId id="265" r:id="rId8"/>
+    <p:sldId id="266" r:id="rId9"/>
+    <p:sldId id="267" r:id="rId10"/>
   </p:sldIdLst>
   <p:sldSz cx="9144000" cy="6858000" type="screen4x3"/>
   <p:notesSz cx="6858000" cy="9144000"/>
@@ -202,7 +200,7 @@
           <a:p>
             <a:fld id="{35AC8A08-1E74-4648-B734-AFF72495031F}" type="datetimeFigureOut">
               <a:rPr lang="ru-RU" smtClean="0"/>
-              <a:t>11.11.2020</a:t>
+              <a:t>20.01.2021</a:t>
             </a:fld>
             <a:endParaRPr lang="ru-RU"/>
           </a:p>
@@ -658,7 +656,7 @@
           <a:p>
             <a:fld id="{622C1471-46B6-416C-BBA7-DF7298B1A1F9}" type="datetimeFigureOut">
               <a:rPr lang="ru-RU" smtClean="0"/>
-              <a:t>11.11.2020</a:t>
+              <a:t>20.01.2021</a:t>
             </a:fld>
             <a:endParaRPr lang="ru-RU"/>
           </a:p>
@@ -858,7 +856,7 @@
           <a:p>
             <a:fld id="{622C1471-46B6-416C-BBA7-DF7298B1A1F9}" type="datetimeFigureOut">
               <a:rPr lang="ru-RU" smtClean="0"/>
-              <a:t>11.11.2020</a:t>
+              <a:t>20.01.2021</a:t>
             </a:fld>
             <a:endParaRPr lang="ru-RU"/>
           </a:p>
@@ -1033,7 +1031,7 @@
           <a:p>
             <a:fld id="{622C1471-46B6-416C-BBA7-DF7298B1A1F9}" type="datetimeFigureOut">
               <a:rPr lang="ru-RU" smtClean="0"/>
-              <a:t>11.11.2020</a:t>
+              <a:t>20.01.2021</a:t>
             </a:fld>
             <a:endParaRPr lang="ru-RU"/>
           </a:p>
@@ -1198,7 +1196,7 @@
           <a:p>
             <a:fld id="{622C1471-46B6-416C-BBA7-DF7298B1A1F9}" type="datetimeFigureOut">
               <a:rPr lang="ru-RU" smtClean="0"/>
-              <a:t>11.11.2020</a:t>
+              <a:t>20.01.2021</a:t>
             </a:fld>
             <a:endParaRPr lang="ru-RU"/>
           </a:p>
@@ -1446,7 +1444,7 @@
           <a:p>
             <a:fld id="{622C1471-46B6-416C-BBA7-DF7298B1A1F9}" type="datetimeFigureOut">
               <a:rPr lang="ru-RU" smtClean="0"/>
-              <a:t>11.11.2020</a:t>
+              <a:t>20.01.2021</a:t>
             </a:fld>
             <a:endParaRPr lang="ru-RU"/>
           </a:p>
@@ -1764,7 +1762,7 @@
           <a:p>
             <a:fld id="{622C1471-46B6-416C-BBA7-DF7298B1A1F9}" type="datetimeFigureOut">
               <a:rPr lang="ru-RU" smtClean="0"/>
-              <a:t>11.11.2020</a:t>
+              <a:t>20.01.2021</a:t>
             </a:fld>
             <a:endParaRPr lang="ru-RU"/>
           </a:p>
@@ -2230,7 +2228,7 @@
           <a:p>
             <a:fld id="{622C1471-46B6-416C-BBA7-DF7298B1A1F9}" type="datetimeFigureOut">
               <a:rPr lang="ru-RU" smtClean="0"/>
-              <a:t>11.11.2020</a:t>
+              <a:t>20.01.2021</a:t>
             </a:fld>
             <a:endParaRPr lang="ru-RU"/>
           </a:p>
@@ -2378,7 +2376,7 @@
           <a:p>
             <a:fld id="{622C1471-46B6-416C-BBA7-DF7298B1A1F9}" type="datetimeFigureOut">
               <a:rPr lang="ru-RU" smtClean="0"/>
-              <a:t>11.11.2020</a:t>
+              <a:t>20.01.2021</a:t>
             </a:fld>
             <a:endParaRPr lang="ru-RU"/>
           </a:p>
@@ -2468,7 +2466,7 @@
           <a:p>
             <a:fld id="{622C1471-46B6-416C-BBA7-DF7298B1A1F9}" type="datetimeFigureOut">
               <a:rPr lang="ru-RU" smtClean="0"/>
-              <a:t>11.11.2020</a:t>
+              <a:t>20.01.2021</a:t>
             </a:fld>
             <a:endParaRPr lang="ru-RU"/>
           </a:p>
@@ -2742,7 +2740,7 @@
           <a:p>
             <a:fld id="{622C1471-46B6-416C-BBA7-DF7298B1A1F9}" type="datetimeFigureOut">
               <a:rPr lang="ru-RU" smtClean="0"/>
-              <a:t>11.11.2020</a:t>
+              <a:t>20.01.2021</a:t>
             </a:fld>
             <a:endParaRPr lang="ru-RU"/>
           </a:p>
@@ -3047,7 +3045,7 @@
           <a:p>
             <a:fld id="{622C1471-46B6-416C-BBA7-DF7298B1A1F9}" type="datetimeFigureOut">
               <a:rPr lang="ru-RU" smtClean="0"/>
-              <a:t>11.11.2020</a:t>
+              <a:t>20.01.2021</a:t>
             </a:fld>
             <a:endParaRPr lang="ru-RU"/>
           </a:p>
@@ -3345,7 +3343,7 @@
           <a:p>
             <a:fld id="{622C1471-46B6-416C-BBA7-DF7298B1A1F9}" type="datetimeFigureOut">
               <a:rPr lang="ru-RU" smtClean="0"/>
-              <a:t>11.11.2020</a:t>
+              <a:t>20.01.2021</a:t>
             </a:fld>
             <a:endParaRPr lang="ru-RU"/>
           </a:p>
@@ -3758,10 +3756,16 @@
           <a:lstStyle/>
           <a:p>
             <a:r>
-              <a:rPr lang="ru-RU" dirty="0" smtClean="0"/>
+              <a:rPr lang="ru-RU" dirty="0" smtClean="0">
+                <a:latin typeface="Calibri" panose="020F0502020204030204" pitchFamily="34" charset="0"/>
+                <a:cs typeface="Calibri" panose="020F0502020204030204" pitchFamily="34" charset="0"/>
+              </a:rPr>
               <a:t>Проект</a:t>
             </a:r>
-            <a:endParaRPr lang="ru-RU" dirty="0"/>
+            <a:endParaRPr lang="ru-RU" dirty="0">
+              <a:latin typeface="Calibri" panose="020F0502020204030204" pitchFamily="34" charset="0"/>
+              <a:cs typeface="Calibri" panose="020F0502020204030204" pitchFamily="34" charset="0"/>
+            </a:endParaRPr>
           </a:p>
         </p:txBody>
       </p:sp>
@@ -3795,263 +3799,6 @@
     <p:extLst>
       <p:ext uri="{BB962C8B-B14F-4D97-AF65-F5344CB8AC3E}">
         <p14:creationId xmlns:p14="http://schemas.microsoft.com/office/powerpoint/2010/main" val="2760058052"/>
-      </p:ext>
-    </p:extLst>
-  </p:cSld>
-  <p:clrMapOvr>
-    <a:masterClrMapping/>
-  </p:clrMapOvr>
-  <mc:AlternateContent xmlns:mc="http://schemas.openxmlformats.org/markup-compatibility/2006" xmlns:p14="http://schemas.microsoft.com/office/powerpoint/2010/main">
-    <mc:Choice Requires="p14">
-      <p:transition spd="med" p14:dur="700">
-        <p:fade/>
-      </p:transition>
-    </mc:Choice>
-    <mc:Fallback xmlns="">
-      <p:transition spd="med">
-        <p:fade/>
-      </p:transition>
-    </mc:Fallback>
-  </mc:AlternateContent>
-  <p:timing>
-    <p:tnLst>
-      <p:par>
-        <p:cTn id="1" dur="indefinite" restart="never" nodeType="tmRoot"/>
-      </p:par>
-    </p:tnLst>
-  </p:timing>
-</p:sld>
-</file>
-
-<file path=ppt/slides/slide10.xml><?xml version="1.0" encoding="utf-8"?>
-<p:sld xmlns:a="http://schemas.openxmlformats.org/drawingml/2006/main" xmlns:r="http://schemas.openxmlformats.org/officeDocument/2006/relationships" xmlns:p="http://schemas.openxmlformats.org/presentationml/2006/main">
-  <p:cSld>
-    <p:spTree>
-      <p:nvGrpSpPr>
-        <p:cNvPr id="1" name=""/>
-        <p:cNvGrpSpPr/>
-        <p:nvPr/>
-      </p:nvGrpSpPr>
-      <p:grpSpPr>
-        <a:xfrm>
-          <a:off x="0" y="0"/>
-          <a:ext cx="0" cy="0"/>
-          <a:chOff x="0" y="0"/>
-          <a:chExt cx="0" cy="0"/>
-        </a:xfrm>
-      </p:grpSpPr>
-      <p:sp>
-        <p:nvSpPr>
-          <p:cNvPr id="3" name="Объект 2"/>
-          <p:cNvSpPr>
-            <a:spLocks noGrp="1"/>
-          </p:cNvSpPr>
-          <p:nvPr>
-            <p:ph idx="1"/>
-          </p:nvPr>
-        </p:nvSpPr>
-        <p:spPr>
-          <a:xfrm>
-            <a:off x="457200" y="476672"/>
-            <a:ext cx="8229600" cy="6000328"/>
-          </a:xfrm>
-        </p:spPr>
-        <p:txBody>
-          <a:bodyPr/>
-          <a:lstStyle/>
-          <a:p>
-            <a:pPr marL="274320" lvl="1" indent="0">
-              <a:buNone/>
-            </a:pPr>
-            <a:r>
-              <a:rPr lang="ru-RU" dirty="0" smtClean="0"/>
-              <a:t>	- программа проходит по списку уже сгенерированных 	расписаний и создает из каждого из них несколько новых 	расписаний, с еще одной добавленной парой, а затем 	создает из этих расписаний новый список.</a:t>
-            </a:r>
-          </a:p>
-          <a:p>
-            <a:pPr marL="274320" lvl="1" indent="0">
-              <a:buNone/>
-            </a:pPr>
-            <a:r>
-              <a:rPr lang="ru-RU" dirty="0"/>
-              <a:t>	</a:t>
-            </a:r>
-            <a:r>
-              <a:rPr lang="ru-RU" dirty="0" smtClean="0"/>
-              <a:t>- Программа отбирает из списка несколько лучших 	расписаний.</a:t>
-            </a:r>
-          </a:p>
-          <a:p>
-            <a:pPr marL="274320" lvl="1" indent="0">
-              <a:buNone/>
-            </a:pPr>
-            <a:r>
-              <a:rPr lang="ru-RU" dirty="0" smtClean="0"/>
-              <a:t>	- количество создаваемых на каждом шаге расписаний 	зависит от параметра качества генерации.</a:t>
-            </a:r>
-          </a:p>
-          <a:p>
-            <a:pPr marL="274320" lvl="1" indent="0">
-              <a:buNone/>
-            </a:pPr>
-            <a:r>
-              <a:rPr lang="ru-RU" dirty="0" smtClean="0"/>
-              <a:t>3. Программа сохраняет расписания в файл.</a:t>
-            </a:r>
-          </a:p>
-          <a:p>
-            <a:pPr marL="274320" lvl="1" indent="0">
-              <a:buNone/>
-            </a:pPr>
-            <a:endParaRPr lang="ru-RU" dirty="0"/>
-          </a:p>
-        </p:txBody>
-      </p:sp>
-    </p:spTree>
-    <p:extLst>
-      <p:ext uri="{BB962C8B-B14F-4D97-AF65-F5344CB8AC3E}">
-        <p14:creationId xmlns:p14="http://schemas.microsoft.com/office/powerpoint/2010/main" val="1621268394"/>
-      </p:ext>
-    </p:extLst>
-  </p:cSld>
-  <p:clrMapOvr>
-    <a:masterClrMapping/>
-  </p:clrMapOvr>
-  <mc:AlternateContent xmlns:mc="http://schemas.openxmlformats.org/markup-compatibility/2006" xmlns:p14="http://schemas.microsoft.com/office/powerpoint/2010/main">
-    <mc:Choice Requires="p14">
-      <p:transition spd="med" p14:dur="700">
-        <p:fade/>
-      </p:transition>
-    </mc:Choice>
-    <mc:Fallback xmlns="">
-      <p:transition spd="med">
-        <p:fade/>
-      </p:transition>
-    </mc:Fallback>
-  </mc:AlternateContent>
-  <p:timing>
-    <p:tnLst>
-      <p:par>
-        <p:cTn id="1" dur="indefinite" restart="never" nodeType="tmRoot"/>
-      </p:par>
-    </p:tnLst>
-  </p:timing>
-</p:sld>
-</file>
-
-<file path=ppt/slides/slide11.xml><?xml version="1.0" encoding="utf-8"?>
-<p:sld xmlns:a="http://schemas.openxmlformats.org/drawingml/2006/main" xmlns:r="http://schemas.openxmlformats.org/officeDocument/2006/relationships" xmlns:p="http://schemas.openxmlformats.org/presentationml/2006/main">
-  <p:cSld>
-    <p:spTree>
-      <p:nvGrpSpPr>
-        <p:cNvPr id="1" name=""/>
-        <p:cNvGrpSpPr/>
-        <p:nvPr/>
-      </p:nvGrpSpPr>
-      <p:grpSpPr>
-        <a:xfrm>
-          <a:off x="0" y="0"/>
-          <a:ext cx="0" cy="0"/>
-          <a:chOff x="0" y="0"/>
-          <a:chExt cx="0" cy="0"/>
-        </a:xfrm>
-      </p:grpSpPr>
-      <p:sp>
-        <p:nvSpPr>
-          <p:cNvPr id="2" name="Заголовок 1"/>
-          <p:cNvSpPr>
-            <a:spLocks noGrp="1"/>
-          </p:cNvSpPr>
-          <p:nvPr>
-            <p:ph type="title"/>
-          </p:nvPr>
-        </p:nvSpPr>
-        <p:spPr/>
-        <p:txBody>
-          <a:bodyPr/>
-          <a:lstStyle/>
-          <a:p>
-            <a:r>
-              <a:rPr lang="ru-RU" dirty="0" smtClean="0"/>
-              <a:t>Выводы</a:t>
-            </a:r>
-            <a:endParaRPr lang="ru-RU" dirty="0"/>
-          </a:p>
-        </p:txBody>
-      </p:sp>
-      <p:sp>
-        <p:nvSpPr>
-          <p:cNvPr id="3" name="Объект 2"/>
-          <p:cNvSpPr>
-            <a:spLocks noGrp="1"/>
-          </p:cNvSpPr>
-          <p:nvPr>
-            <p:ph idx="1"/>
-          </p:nvPr>
-        </p:nvSpPr>
-        <p:spPr/>
-        <p:txBody>
-          <a:bodyPr/>
-          <a:lstStyle/>
-          <a:p>
-            <a:r>
-              <a:rPr lang="ru-RU" dirty="0" smtClean="0"/>
-              <a:t>Результат удовлетворяет цели проекта.</a:t>
-            </a:r>
-          </a:p>
-          <a:p>
-            <a:r>
-              <a:rPr lang="ru-RU" dirty="0" smtClean="0"/>
-              <a:t>Результат удовлетворяет ТЗ.</a:t>
-            </a:r>
-          </a:p>
-          <a:p>
-            <a:r>
-              <a:rPr lang="ru-RU" dirty="0" smtClean="0"/>
-              <a:t>Проект имеет направления развития:</a:t>
-            </a:r>
-          </a:p>
-          <a:p>
-            <a:pPr marL="731520" lvl="1" indent="-457200">
-              <a:buFont typeface="+mj-lt"/>
-              <a:buAutoNum type="arabicPeriod"/>
-            </a:pPr>
-            <a:r>
-              <a:rPr lang="ru-RU" dirty="0" smtClean="0"/>
-              <a:t>Добавление возможности упорядочивания неограниченного количества пар.</a:t>
-            </a:r>
-          </a:p>
-          <a:p>
-            <a:pPr marL="731520" lvl="1" indent="-457200">
-              <a:buFont typeface="+mj-lt"/>
-              <a:buAutoNum type="arabicPeriod"/>
-            </a:pPr>
-            <a:r>
-              <a:rPr lang="ru-RU" dirty="0" smtClean="0"/>
-              <a:t>Улучшение интерфейса.</a:t>
-            </a:r>
-          </a:p>
-          <a:p>
-            <a:pPr marL="731520" lvl="1" indent="-457200">
-              <a:buFont typeface="+mj-lt"/>
-              <a:buAutoNum type="arabicPeriod"/>
-            </a:pPr>
-            <a:r>
-              <a:rPr lang="ru-RU" dirty="0"/>
-              <a:t>Добавление возможности</a:t>
-            </a:r>
-            <a:r>
-              <a:rPr lang="ru-RU" dirty="0" smtClean="0"/>
-              <a:t> адаптации программы под нужды других организаций.</a:t>
-            </a:r>
-            <a:endParaRPr lang="ru-RU" dirty="0"/>
-          </a:p>
-        </p:txBody>
-      </p:sp>
-    </p:spTree>
-    <p:extLst>
-      <p:ext uri="{BB962C8B-B14F-4D97-AF65-F5344CB8AC3E}">
-        <p14:creationId xmlns:p14="http://schemas.microsoft.com/office/powerpoint/2010/main" val="355888232"/>
       </p:ext>
     </p:extLst>
   </p:cSld>
@@ -4484,62 +4231,103 @@
           <a:lstStyle/>
           <a:p>
             <a:r>
-              <a:rPr lang="ru-RU" dirty="0" smtClean="0"/>
+              <a:rPr lang="ru-RU" dirty="0" smtClean="0">
+                <a:latin typeface="Calibri" panose="020F0502020204030204" pitchFamily="34" charset="0"/>
+                <a:cs typeface="Calibri" panose="020F0502020204030204" pitchFamily="34" charset="0"/>
+              </a:rPr>
               <a:t>Программа написана на языке программирования </a:t>
             </a:r>
             <a:r>
-              <a:rPr lang="en-US" dirty="0" smtClean="0"/>
+              <a:rPr lang="en-US" dirty="0" smtClean="0">
+                <a:latin typeface="Calibri" panose="020F0502020204030204" pitchFamily="34" charset="0"/>
+                <a:cs typeface="Calibri" panose="020F0502020204030204" pitchFamily="34" charset="0"/>
+              </a:rPr>
               <a:t>Python3</a:t>
             </a:r>
             <a:r>
-              <a:rPr lang="ru-RU" dirty="0" smtClean="0"/>
+              <a:rPr lang="ru-RU" dirty="0" smtClean="0">
+                <a:latin typeface="Calibri" panose="020F0502020204030204" pitchFamily="34" charset="0"/>
+                <a:cs typeface="Calibri" panose="020F0502020204030204" pitchFamily="34" charset="0"/>
+              </a:rPr>
+              <a:t>, потому что он удобный, с использованием библиотеки </a:t>
+            </a:r>
+            <a:r>
+              <a:rPr lang="en-US" dirty="0" err="1" smtClean="0">
+                <a:latin typeface="Calibri" panose="020F0502020204030204" pitchFamily="34" charset="0"/>
+                <a:cs typeface="Calibri" panose="020F0502020204030204" pitchFamily="34" charset="0"/>
+              </a:rPr>
+              <a:t>openpyxl</a:t>
+            </a:r>
+            <a:r>
+              <a:rPr lang="ru-RU" dirty="0" smtClean="0">
+                <a:latin typeface="Calibri" panose="020F0502020204030204" pitchFamily="34" charset="0"/>
+                <a:cs typeface="Calibri" panose="020F0502020204030204" pitchFamily="34" charset="0"/>
+              </a:rPr>
+              <a:t> для работы с </a:t>
+            </a:r>
+            <a:r>
+              <a:rPr lang="en-US" dirty="0" smtClean="0">
+                <a:latin typeface="Calibri" panose="020F0502020204030204" pitchFamily="34" charset="0"/>
+                <a:cs typeface="Calibri" panose="020F0502020204030204" pitchFamily="34" charset="0"/>
+              </a:rPr>
+              <a:t>excel</a:t>
+            </a:r>
+            <a:r>
+              <a:rPr lang="ru-RU" dirty="0" smtClean="0">
+                <a:latin typeface="Calibri" panose="020F0502020204030204" pitchFamily="34" charset="0"/>
+                <a:cs typeface="Calibri" panose="020F0502020204030204" pitchFamily="34" charset="0"/>
+              </a:rPr>
               <a:t>. </a:t>
             </a:r>
-          </a:p>
-          <a:p>
-            <a:r>
-              <a:rPr lang="ru-RU" dirty="0" smtClean="0"/>
-              <a:t>В ходе проекта возникла необходимость</a:t>
-            </a:r>
-            <a:r>
-              <a:rPr lang="en-US" dirty="0" smtClean="0"/>
-              <a:t> </a:t>
-            </a:r>
-            <a:r>
-              <a:rPr lang="ru-RU" dirty="0" smtClean="0"/>
-              <a:t>освоить библиотеку для работы с </a:t>
-            </a:r>
-            <a:r>
-              <a:rPr lang="en-US" dirty="0" smtClean="0"/>
-              <a:t>Microsoft Excel, </a:t>
-            </a:r>
-            <a:r>
-              <a:rPr lang="ru-RU" dirty="0" smtClean="0"/>
-              <a:t>а </a:t>
-            </a:r>
-            <a:r>
-              <a:rPr lang="ru-RU" smtClean="0"/>
-              <a:t>именно </a:t>
-            </a:r>
-            <a:r>
-              <a:rPr lang="ru-RU" smtClean="0"/>
-              <a:t>библиотеку </a:t>
-            </a:r>
-            <a:r>
-              <a:rPr lang="en-US" dirty="0" err="1" smtClean="0"/>
-              <a:t>openpyxl</a:t>
-            </a:r>
-            <a:r>
-              <a:rPr lang="ru-RU" dirty="0" smtClean="0"/>
-              <a:t>. </a:t>
-            </a:r>
-          </a:p>
-          <a:p>
-            <a:r>
-              <a:rPr lang="ru-RU" dirty="0" smtClean="0"/>
-              <a:t>Трудностей в ходе проекта не возникало.</a:t>
-            </a:r>
-            <a:endParaRPr lang="ru-RU" dirty="0"/>
+            <a:endParaRPr lang="en-US" dirty="0">
+              <a:latin typeface="Calibri" panose="020F0502020204030204" pitchFamily="34" charset="0"/>
+              <a:cs typeface="Calibri" panose="020F0502020204030204" pitchFamily="34" charset="0"/>
+            </a:endParaRPr>
+          </a:p>
+          <a:p>
+            <a:r>
+              <a:rPr lang="ru-RU" dirty="0" smtClean="0">
+                <a:latin typeface="Calibri" panose="020F0502020204030204" pitchFamily="34" charset="0"/>
+                <a:cs typeface="Calibri" panose="020F0502020204030204" pitchFamily="34" charset="0"/>
+              </a:rPr>
+              <a:t>Проект растянулся на две четверти</a:t>
+            </a:r>
+            <a:r>
+              <a:rPr lang="en-US" dirty="0" smtClean="0">
+                <a:latin typeface="Calibri" panose="020F0502020204030204" pitchFamily="34" charset="0"/>
+                <a:cs typeface="Calibri" panose="020F0502020204030204" pitchFamily="34" charset="0"/>
+              </a:rPr>
+              <a:t>.</a:t>
+            </a:r>
+          </a:p>
+          <a:p>
+            <a:r>
+              <a:rPr lang="ru-RU" dirty="0" smtClean="0">
+                <a:latin typeface="Calibri" panose="020F0502020204030204" pitchFamily="34" charset="0"/>
+                <a:cs typeface="Calibri" panose="020F0502020204030204" pitchFamily="34" charset="0"/>
+              </a:rPr>
+              <a:t>В ходе проекта возникла трудность – мне так и не удалось реализовать возможность сбора пар в один день</a:t>
+            </a:r>
+            <a:r>
+              <a:rPr lang="ru-RU" dirty="0" smtClean="0">
+                <a:latin typeface="Calibri" panose="020F0502020204030204" pitchFamily="34" charset="0"/>
+                <a:cs typeface="Calibri" panose="020F0502020204030204" pitchFamily="34" charset="0"/>
+              </a:rPr>
+              <a:t>. Это может вручную сделать админ.</a:t>
+            </a:r>
+            <a:endParaRPr lang="ru-RU" dirty="0" smtClean="0">
+              <a:latin typeface="Calibri" panose="020F0502020204030204" pitchFamily="34" charset="0"/>
+              <a:cs typeface="Calibri" panose="020F0502020204030204" pitchFamily="34" charset="0"/>
+            </a:endParaRPr>
+          </a:p>
+          <a:p>
+            <a:pPr marL="0" indent="0">
+              <a:buNone/>
+            </a:pPr>
+            <a:endParaRPr lang="ru-RU" dirty="0">
+              <a:latin typeface="Calibri" panose="020F0502020204030204" pitchFamily="34" charset="0"/>
+              <a:cs typeface="Calibri" panose="020F0502020204030204" pitchFamily="34" charset="0"/>
+            </a:endParaRPr>
           </a:p>
         </p:txBody>
       </p:sp>
@@ -4630,6 +4418,9 @@
           <a:bodyPr/>
           <a:lstStyle/>
           <a:p>
+            <a:pPr marL="0" indent="0">
+              <a:buNone/>
+            </a:pPr>
             <a:r>
               <a:rPr lang="ru-RU" dirty="0" smtClean="0"/>
               <a:t>Программа имеет 2 режима работы:</a:t>
@@ -4662,11 +4453,7 @@
             </a:pPr>
             <a:r>
               <a:rPr lang="ru-RU" dirty="0" smtClean="0"/>
-              <a:t>Настройки параметров </a:t>
-            </a:r>
-            <a:r>
-              <a:rPr lang="ru-RU" dirty="0" smtClean="0"/>
-              <a:t>генерации</a:t>
+              <a:t>Настройки параметров генерации</a:t>
             </a:r>
             <a:r>
               <a:rPr lang="en-US" dirty="0" smtClean="0"/>
@@ -4674,11 +4461,7 @@
             </a:r>
             <a:r>
               <a:rPr lang="ru-RU" dirty="0" smtClean="0"/>
-              <a:t>расписаний: </a:t>
-            </a:r>
-            <a:r>
-              <a:rPr lang="ru-RU" dirty="0" smtClean="0"/>
-              <a:t>качества генерации и количества генерируемых вариантов расписаний.</a:t>
+              <a:t>расписаний: качества генерации и количества генерируемых вариантов расписаний.</a:t>
             </a:r>
             <a:endParaRPr lang="ru-RU" dirty="0"/>
           </a:p>
@@ -4737,7 +4520,17 @@
             </a:pPr>
             <a:r>
               <a:rPr lang="ru-RU" dirty="0" smtClean="0"/>
-              <a:t>Имеется возможность упорядочивания двух пар.</a:t>
+              <a:t>Имеется возможность упорядочивания двух пар</a:t>
+            </a:r>
+          </a:p>
+          <a:p>
+            <a:pPr marL="1280160" lvl="3" indent="-457200">
+              <a:buFont typeface="+mj-lt"/>
+              <a:buAutoNum type="arabicPeriod"/>
+            </a:pPr>
+            <a:r>
+              <a:rPr lang="ru-RU" dirty="0" smtClean="0"/>
+              <a:t>Имеется возможность фиксировать пару во времени</a:t>
             </a:r>
           </a:p>
           <a:p>
@@ -4810,602 +4603,6 @@
 </file>
 
 <file path=ppt/slides/slide7.xml><?xml version="1.0" encoding="utf-8"?>
-<p:sld xmlns:a="http://schemas.openxmlformats.org/drawingml/2006/main" xmlns:r="http://schemas.openxmlformats.org/officeDocument/2006/relationships" xmlns:p="http://schemas.openxmlformats.org/presentationml/2006/main">
-  <p:cSld>
-    <p:spTree>
-      <p:nvGrpSpPr>
-        <p:cNvPr id="1" name=""/>
-        <p:cNvGrpSpPr/>
-        <p:nvPr/>
-      </p:nvGrpSpPr>
-      <p:grpSpPr>
-        <a:xfrm>
-          <a:off x="0" y="0"/>
-          <a:ext cx="0" cy="0"/>
-          <a:chOff x="0" y="0"/>
-          <a:chExt cx="0" cy="0"/>
-        </a:xfrm>
-      </p:grpSpPr>
-      <p:sp>
-        <p:nvSpPr>
-          <p:cNvPr id="5" name="TextBox 4"/>
-          <p:cNvSpPr txBox="1"/>
-          <p:nvPr/>
-        </p:nvSpPr>
-        <p:spPr>
-          <a:xfrm>
-            <a:off x="539552" y="620688"/>
-            <a:ext cx="8136904" cy="369332"/>
-          </a:xfrm>
-          <a:prstGeom prst="rect">
-            <a:avLst/>
-          </a:prstGeom>
-          <a:noFill/>
-        </p:spPr>
-        <p:txBody>
-          <a:bodyPr wrap="square" rtlCol="0">
-            <a:spAutoFit/>
-          </a:bodyPr>
-          <a:lstStyle/>
-          <a:p>
-            <a:pPr algn="ctr"/>
-            <a:r>
-              <a:rPr lang="ru-RU" dirty="0" smtClean="0"/>
-              <a:t>Окно настроек</a:t>
-            </a:r>
-            <a:endParaRPr lang="ru-RU" dirty="0"/>
-          </a:p>
-        </p:txBody>
-      </p:sp>
-      <p:pic>
-        <p:nvPicPr>
-          <p:cNvPr id="2050" name="Picture 2"/>
-          <p:cNvPicPr>
-            <a:picLocks noChangeAspect="1" noChangeArrowheads="1"/>
-          </p:cNvPicPr>
-          <p:nvPr/>
-        </p:nvPicPr>
-        <p:blipFill>
-          <a:blip r:embed="rId2" cstate="print">
-            <a:extLst>
-              <a:ext uri="{28A0092B-C50C-407E-A947-70E740481C1C}">
-                <a14:useLocalDpi xmlns:a14="http://schemas.microsoft.com/office/drawing/2010/main" val="0"/>
-              </a:ext>
-            </a:extLst>
-          </a:blip>
-          <a:srcRect/>
-          <a:stretch>
-            <a:fillRect/>
-          </a:stretch>
-        </p:blipFill>
-        <p:spPr bwMode="auto">
-          <a:xfrm>
-            <a:off x="283279" y="1007827"/>
-            <a:ext cx="3496633" cy="2221254"/>
-          </a:xfrm>
-          <a:prstGeom prst="rect">
-            <a:avLst/>
-          </a:prstGeom>
-          <a:noFill/>
-          <a:ln>
-            <a:noFill/>
-          </a:ln>
-          <a:extLst>
-            <a:ext uri="{909E8E84-426E-40DD-AFC4-6F175D3DCCD1}">
-              <a14:hiddenFill xmlns:a14="http://schemas.microsoft.com/office/drawing/2010/main">
-                <a:solidFill>
-                  <a:schemeClr val="accent1"/>
-                </a:solidFill>
-              </a14:hiddenFill>
-            </a:ext>
-            <a:ext uri="{91240B29-F687-4F45-9708-019B960494DF}">
-              <a14:hiddenLine xmlns:a14="http://schemas.microsoft.com/office/drawing/2010/main" w="9525">
-                <a:solidFill>
-                  <a:schemeClr val="tx1"/>
-                </a:solidFill>
-                <a:miter lim="800000"/>
-                <a:headEnd/>
-                <a:tailEnd/>
-              </a14:hiddenLine>
-            </a:ext>
-          </a:extLst>
-        </p:spPr>
-      </p:pic>
-      <p:sp>
-        <p:nvSpPr>
-          <p:cNvPr id="7" name="TextBox 6"/>
-          <p:cNvSpPr txBox="1"/>
-          <p:nvPr/>
-        </p:nvSpPr>
-        <p:spPr>
-          <a:xfrm>
-            <a:off x="3347864" y="3251401"/>
-            <a:ext cx="3024336" cy="369332"/>
-          </a:xfrm>
-          <a:prstGeom prst="rect">
-            <a:avLst/>
-          </a:prstGeom>
-          <a:noFill/>
-        </p:spPr>
-        <p:txBody>
-          <a:bodyPr wrap="square" rtlCol="0">
-            <a:spAutoFit/>
-          </a:bodyPr>
-          <a:lstStyle/>
-          <a:p>
-            <a:r>
-              <a:rPr lang="ru-RU" dirty="0" smtClean="0"/>
-              <a:t>Файл данных</a:t>
-            </a:r>
-            <a:endParaRPr lang="ru-RU" dirty="0"/>
-          </a:p>
-        </p:txBody>
-      </p:sp>
-      <p:pic>
-        <p:nvPicPr>
-          <p:cNvPr id="8" name="Picture 2"/>
-          <p:cNvPicPr>
-            <a:picLocks noChangeAspect="1" noChangeArrowheads="1"/>
-          </p:cNvPicPr>
-          <p:nvPr/>
-        </p:nvPicPr>
-        <p:blipFill>
-          <a:blip r:embed="rId3" cstate="print">
-            <a:extLst>
-              <a:ext uri="{28A0092B-C50C-407E-A947-70E740481C1C}">
-                <a14:useLocalDpi xmlns:a14="http://schemas.microsoft.com/office/drawing/2010/main" val="0"/>
-              </a:ext>
-            </a:extLst>
-          </a:blip>
-          <a:srcRect/>
-          <a:stretch>
-            <a:fillRect/>
-          </a:stretch>
-        </p:blipFill>
-        <p:spPr bwMode="auto">
-          <a:xfrm>
-            <a:off x="467544" y="3620733"/>
-            <a:ext cx="2538214" cy="3076250"/>
-          </a:xfrm>
-          <a:prstGeom prst="rect">
-            <a:avLst/>
-          </a:prstGeom>
-          <a:noFill/>
-          <a:ln>
-            <a:noFill/>
-          </a:ln>
-          <a:extLst>
-            <a:ext uri="{909E8E84-426E-40DD-AFC4-6F175D3DCCD1}">
-              <a14:hiddenFill xmlns:a14="http://schemas.microsoft.com/office/drawing/2010/main">
-                <a:solidFill>
-                  <a:schemeClr val="accent1"/>
-                </a:solidFill>
-              </a14:hiddenFill>
-            </a:ext>
-            <a:ext uri="{91240B29-F687-4F45-9708-019B960494DF}">
-              <a14:hiddenLine xmlns:a14="http://schemas.microsoft.com/office/drawing/2010/main" w="9525">
-                <a:solidFill>
-                  <a:schemeClr val="tx1"/>
-                </a:solidFill>
-                <a:miter lim="800000"/>
-                <a:headEnd/>
-                <a:tailEnd/>
-              </a14:hiddenLine>
-            </a:ext>
-          </a:extLst>
-        </p:spPr>
-      </p:pic>
-      <p:pic>
-        <p:nvPicPr>
-          <p:cNvPr id="9" name="Picture 3"/>
-          <p:cNvPicPr>
-            <a:picLocks noChangeAspect="1" noChangeArrowheads="1"/>
-          </p:cNvPicPr>
-          <p:nvPr/>
-        </p:nvPicPr>
-        <p:blipFill>
-          <a:blip r:embed="rId4" cstate="print">
-            <a:extLst>
-              <a:ext uri="{28A0092B-C50C-407E-A947-70E740481C1C}">
-                <a14:useLocalDpi xmlns:a14="http://schemas.microsoft.com/office/drawing/2010/main" val="0"/>
-              </a:ext>
-            </a:extLst>
-          </a:blip>
-          <a:srcRect/>
-          <a:stretch>
-            <a:fillRect/>
-          </a:stretch>
-        </p:blipFill>
-        <p:spPr bwMode="auto">
-          <a:xfrm>
-            <a:off x="3166953" y="3621449"/>
-            <a:ext cx="2587310" cy="3076250"/>
-          </a:xfrm>
-          <a:prstGeom prst="rect">
-            <a:avLst/>
-          </a:prstGeom>
-          <a:noFill/>
-          <a:ln>
-            <a:noFill/>
-          </a:ln>
-          <a:extLst>
-            <a:ext uri="{909E8E84-426E-40DD-AFC4-6F175D3DCCD1}">
-              <a14:hiddenFill xmlns:a14="http://schemas.microsoft.com/office/drawing/2010/main">
-                <a:solidFill>
-                  <a:schemeClr val="accent1"/>
-                </a:solidFill>
-              </a14:hiddenFill>
-            </a:ext>
-            <a:ext uri="{91240B29-F687-4F45-9708-019B960494DF}">
-              <a14:hiddenLine xmlns:a14="http://schemas.microsoft.com/office/drawing/2010/main" w="9525">
-                <a:solidFill>
-                  <a:schemeClr val="tx1"/>
-                </a:solidFill>
-                <a:miter lim="800000"/>
-                <a:headEnd/>
-                <a:tailEnd/>
-              </a14:hiddenLine>
-            </a:ext>
-          </a:extLst>
-        </p:spPr>
-      </p:pic>
-      <p:pic>
-        <p:nvPicPr>
-          <p:cNvPr id="10" name="Picture 4"/>
-          <p:cNvPicPr>
-            <a:picLocks noChangeAspect="1" noChangeArrowheads="1"/>
-          </p:cNvPicPr>
-          <p:nvPr/>
-        </p:nvPicPr>
-        <p:blipFill>
-          <a:blip r:embed="rId5" cstate="print">
-            <a:extLst>
-              <a:ext uri="{28A0092B-C50C-407E-A947-70E740481C1C}">
-                <a14:useLocalDpi xmlns:a14="http://schemas.microsoft.com/office/drawing/2010/main" val="0"/>
-              </a:ext>
-            </a:extLst>
-          </a:blip>
-          <a:srcRect/>
-          <a:stretch>
-            <a:fillRect/>
-          </a:stretch>
-        </p:blipFill>
-        <p:spPr bwMode="auto">
-          <a:xfrm>
-            <a:off x="5868144" y="3596297"/>
-            <a:ext cx="2401275" cy="3076250"/>
-          </a:xfrm>
-          <a:prstGeom prst="rect">
-            <a:avLst/>
-          </a:prstGeom>
-          <a:noFill/>
-          <a:ln>
-            <a:noFill/>
-          </a:ln>
-          <a:extLst>
-            <a:ext uri="{909E8E84-426E-40DD-AFC4-6F175D3DCCD1}">
-              <a14:hiddenFill xmlns:a14="http://schemas.microsoft.com/office/drawing/2010/main">
-                <a:solidFill>
-                  <a:schemeClr val="accent1"/>
-                </a:solidFill>
-              </a14:hiddenFill>
-            </a:ext>
-            <a:ext uri="{91240B29-F687-4F45-9708-019B960494DF}">
-              <a14:hiddenLine xmlns:a14="http://schemas.microsoft.com/office/drawing/2010/main" w="9525">
-                <a:solidFill>
-                  <a:schemeClr val="tx1"/>
-                </a:solidFill>
-                <a:miter lim="800000"/>
-                <a:headEnd/>
-                <a:tailEnd/>
-              </a14:hiddenLine>
-            </a:ext>
-          </a:extLst>
-        </p:spPr>
-      </p:pic>
-    </p:spTree>
-    <p:extLst>
-      <p:ext uri="{BB962C8B-B14F-4D97-AF65-F5344CB8AC3E}">
-        <p14:creationId xmlns:p14="http://schemas.microsoft.com/office/powerpoint/2010/main" val="2411794213"/>
-      </p:ext>
-    </p:extLst>
-  </p:cSld>
-  <p:clrMapOvr>
-    <a:masterClrMapping/>
-  </p:clrMapOvr>
-  <mc:AlternateContent xmlns:mc="http://schemas.openxmlformats.org/markup-compatibility/2006" xmlns:p14="http://schemas.microsoft.com/office/powerpoint/2010/main">
-    <mc:Choice Requires="p14">
-      <p:transition spd="med" p14:dur="700">
-        <p:fade/>
-      </p:transition>
-    </mc:Choice>
-    <mc:Fallback xmlns="">
-      <p:transition spd="med">
-        <p:fade/>
-      </p:transition>
-    </mc:Fallback>
-  </mc:AlternateContent>
-  <p:timing>
-    <p:tnLst>
-      <p:par>
-        <p:cTn id="1" dur="indefinite" restart="never" nodeType="tmRoot"/>
-      </p:par>
-    </p:tnLst>
-  </p:timing>
-</p:sld>
-</file>
-
-<file path=ppt/slides/slide8.xml><?xml version="1.0" encoding="utf-8"?>
-<p:sld xmlns:a="http://schemas.openxmlformats.org/drawingml/2006/main" xmlns:r="http://schemas.openxmlformats.org/officeDocument/2006/relationships" xmlns:p="http://schemas.openxmlformats.org/presentationml/2006/main">
-  <p:cSld>
-    <p:spTree>
-      <p:nvGrpSpPr>
-        <p:cNvPr id="1" name=""/>
-        <p:cNvGrpSpPr/>
-        <p:nvPr/>
-      </p:nvGrpSpPr>
-      <p:grpSpPr>
-        <a:xfrm>
-          <a:off x="0" y="0"/>
-          <a:ext cx="0" cy="0"/>
-          <a:chOff x="0" y="0"/>
-          <a:chExt cx="0" cy="0"/>
-        </a:xfrm>
-      </p:grpSpPr>
-      <p:sp>
-        <p:nvSpPr>
-          <p:cNvPr id="4" name="TextBox 3"/>
-          <p:cNvSpPr txBox="1"/>
-          <p:nvPr/>
-        </p:nvSpPr>
-        <p:spPr>
-          <a:xfrm>
-            <a:off x="3059832" y="548680"/>
-            <a:ext cx="3024336" cy="369332"/>
-          </a:xfrm>
-          <a:prstGeom prst="rect">
-            <a:avLst/>
-          </a:prstGeom>
-          <a:noFill/>
-        </p:spPr>
-        <p:txBody>
-          <a:bodyPr wrap="square" rtlCol="0">
-            <a:spAutoFit/>
-          </a:bodyPr>
-          <a:lstStyle/>
-          <a:p>
-            <a:r>
-              <a:rPr lang="ru-RU" dirty="0" smtClean="0"/>
-              <a:t>Составленное расписание</a:t>
-            </a:r>
-            <a:endParaRPr lang="ru-RU" dirty="0"/>
-          </a:p>
-        </p:txBody>
-      </p:sp>
-      <p:pic>
-        <p:nvPicPr>
-          <p:cNvPr id="4098" name="Picture 2"/>
-          <p:cNvPicPr>
-            <a:picLocks noChangeAspect="1" noChangeArrowheads="1"/>
-          </p:cNvPicPr>
-          <p:nvPr/>
-        </p:nvPicPr>
-        <p:blipFill>
-          <a:blip r:embed="rId2" cstate="print">
-            <a:extLst>
-              <a:ext uri="{28A0092B-C50C-407E-A947-70E740481C1C}">
-                <a14:useLocalDpi xmlns:a14="http://schemas.microsoft.com/office/drawing/2010/main" val="0"/>
-              </a:ext>
-            </a:extLst>
-          </a:blip>
-          <a:srcRect/>
-          <a:stretch>
-            <a:fillRect/>
-          </a:stretch>
-        </p:blipFill>
-        <p:spPr bwMode="auto">
-          <a:xfrm>
-            <a:off x="395536" y="1024269"/>
-            <a:ext cx="4355976" cy="2200034"/>
-          </a:xfrm>
-          <a:prstGeom prst="rect">
-            <a:avLst/>
-          </a:prstGeom>
-          <a:noFill/>
-          <a:ln>
-            <a:noFill/>
-          </a:ln>
-          <a:extLst>
-            <a:ext uri="{909E8E84-426E-40DD-AFC4-6F175D3DCCD1}">
-              <a14:hiddenFill xmlns:a14="http://schemas.microsoft.com/office/drawing/2010/main">
-                <a:solidFill>
-                  <a:schemeClr val="accent1"/>
-                </a:solidFill>
-              </a14:hiddenFill>
-            </a:ext>
-            <a:ext uri="{91240B29-F687-4F45-9708-019B960494DF}">
-              <a14:hiddenLine xmlns:a14="http://schemas.microsoft.com/office/drawing/2010/main" w="9525">
-                <a:solidFill>
-                  <a:schemeClr val="tx1"/>
-                </a:solidFill>
-                <a:miter lim="800000"/>
-                <a:headEnd/>
-                <a:tailEnd/>
-              </a14:hiddenLine>
-            </a:ext>
-          </a:extLst>
-        </p:spPr>
-      </p:pic>
-      <p:pic>
-        <p:nvPicPr>
-          <p:cNvPr id="4099" name="Picture 3"/>
-          <p:cNvPicPr>
-            <a:picLocks noChangeAspect="1" noChangeArrowheads="1"/>
-          </p:cNvPicPr>
-          <p:nvPr/>
-        </p:nvPicPr>
-        <p:blipFill>
-          <a:blip r:embed="rId3" cstate="print">
-            <a:extLst>
-              <a:ext uri="{28A0092B-C50C-407E-A947-70E740481C1C}">
-                <a14:useLocalDpi xmlns:a14="http://schemas.microsoft.com/office/drawing/2010/main" val="0"/>
-              </a:ext>
-            </a:extLst>
-          </a:blip>
-          <a:srcRect/>
-          <a:stretch>
-            <a:fillRect/>
-          </a:stretch>
-        </p:blipFill>
-        <p:spPr bwMode="auto">
-          <a:xfrm>
-            <a:off x="4860031" y="1024269"/>
-            <a:ext cx="4183853" cy="2194328"/>
-          </a:xfrm>
-          <a:prstGeom prst="rect">
-            <a:avLst/>
-          </a:prstGeom>
-          <a:noFill/>
-          <a:ln>
-            <a:noFill/>
-          </a:ln>
-          <a:extLst>
-            <a:ext uri="{909E8E84-426E-40DD-AFC4-6F175D3DCCD1}">
-              <a14:hiddenFill xmlns:a14="http://schemas.microsoft.com/office/drawing/2010/main">
-                <a:solidFill>
-                  <a:schemeClr val="accent1"/>
-                </a:solidFill>
-              </a14:hiddenFill>
-            </a:ext>
-            <a:ext uri="{91240B29-F687-4F45-9708-019B960494DF}">
-              <a14:hiddenLine xmlns:a14="http://schemas.microsoft.com/office/drawing/2010/main" w="9525">
-                <a:solidFill>
-                  <a:schemeClr val="tx1"/>
-                </a:solidFill>
-                <a:miter lim="800000"/>
-                <a:headEnd/>
-                <a:tailEnd/>
-              </a14:hiddenLine>
-            </a:ext>
-          </a:extLst>
-        </p:spPr>
-      </p:pic>
-      <p:sp>
-        <p:nvSpPr>
-          <p:cNvPr id="5" name="TextBox 4"/>
-          <p:cNvSpPr txBox="1"/>
-          <p:nvPr/>
-        </p:nvSpPr>
-        <p:spPr>
-          <a:xfrm>
-            <a:off x="2843808" y="3356992"/>
-            <a:ext cx="3384376" cy="369332"/>
-          </a:xfrm>
-          <a:prstGeom prst="rect">
-            <a:avLst/>
-          </a:prstGeom>
-          <a:noFill/>
-        </p:spPr>
-        <p:txBody>
-          <a:bodyPr wrap="square" rtlCol="0">
-            <a:spAutoFit/>
-          </a:bodyPr>
-          <a:lstStyle/>
-          <a:p>
-            <a:r>
-              <a:rPr lang="ru-RU" dirty="0" smtClean="0"/>
-              <a:t>Файл вывода</a:t>
-            </a:r>
-          </a:p>
-        </p:txBody>
-      </p:sp>
-      <p:pic>
-        <p:nvPicPr>
-          <p:cNvPr id="1026" name="Picture 2"/>
-          <p:cNvPicPr>
-            <a:picLocks noChangeAspect="1" noChangeArrowheads="1"/>
-          </p:cNvPicPr>
-          <p:nvPr/>
-        </p:nvPicPr>
-        <p:blipFill>
-          <a:blip r:embed="rId4" cstate="print">
-            <a:extLst>
-              <a:ext uri="{28A0092B-C50C-407E-A947-70E740481C1C}">
-                <a14:useLocalDpi xmlns:a14="http://schemas.microsoft.com/office/drawing/2010/main" val="0"/>
-              </a:ext>
-            </a:extLst>
-          </a:blip>
-          <a:srcRect/>
-          <a:stretch>
-            <a:fillRect/>
-          </a:stretch>
-        </p:blipFill>
-        <p:spPr bwMode="auto">
-          <a:xfrm>
-            <a:off x="467544" y="3726324"/>
-            <a:ext cx="2952328" cy="3096847"/>
-          </a:xfrm>
-          <a:prstGeom prst="rect">
-            <a:avLst/>
-          </a:prstGeom>
-          <a:noFill/>
-          <a:ln>
-            <a:noFill/>
-          </a:ln>
-          <a:extLst>
-            <a:ext uri="{909E8E84-426E-40DD-AFC4-6F175D3DCCD1}">
-              <a14:hiddenFill xmlns:a14="http://schemas.microsoft.com/office/drawing/2010/main">
-                <a:solidFill>
-                  <a:schemeClr val="accent1"/>
-                </a:solidFill>
-              </a14:hiddenFill>
-            </a:ext>
-            <a:ext uri="{91240B29-F687-4F45-9708-019B960494DF}">
-              <a14:hiddenLine xmlns:a14="http://schemas.microsoft.com/office/drawing/2010/main" w="9525">
-                <a:solidFill>
-                  <a:schemeClr val="tx1"/>
-                </a:solidFill>
-                <a:miter lim="800000"/>
-                <a:headEnd/>
-                <a:tailEnd/>
-              </a14:hiddenLine>
-            </a:ext>
-          </a:extLst>
-        </p:spPr>
-      </p:pic>
-    </p:spTree>
-    <p:extLst>
-      <p:ext uri="{BB962C8B-B14F-4D97-AF65-F5344CB8AC3E}">
-        <p14:creationId xmlns:p14="http://schemas.microsoft.com/office/powerpoint/2010/main" val="3584909024"/>
-      </p:ext>
-    </p:extLst>
-  </p:cSld>
-  <p:clrMapOvr>
-    <a:masterClrMapping/>
-  </p:clrMapOvr>
-  <mc:AlternateContent xmlns:mc="http://schemas.openxmlformats.org/markup-compatibility/2006" xmlns:p14="http://schemas.microsoft.com/office/powerpoint/2010/main">
-    <mc:Choice Requires="p14">
-      <p:transition spd="med" p14:dur="700">
-        <p:fade/>
-      </p:transition>
-    </mc:Choice>
-    <mc:Fallback xmlns="">
-      <p:transition spd="med">
-        <p:fade/>
-      </p:transition>
-    </mc:Fallback>
-  </mc:AlternateContent>
-  <p:timing>
-    <p:tnLst>
-      <p:par>
-        <p:cTn id="1" dur="indefinite" restart="never" nodeType="tmRoot"/>
-      </p:par>
-    </p:tnLst>
-  </p:timing>
-</p:sld>
-</file>
-
-<file path=ppt/slides/slide9.xml><?xml version="1.0" encoding="utf-8"?>
 <p:sld xmlns:a="http://schemas.openxmlformats.org/drawingml/2006/main" xmlns:r="http://schemas.openxmlformats.org/officeDocument/2006/relationships" xmlns:p="http://schemas.openxmlformats.org/presentationml/2006/main">
   <p:cSld>
     <p:spTree>
@@ -5690,6 +4887,351 @@
 </p:sld>
 </file>
 
+<file path=ppt/slides/slide8.xml><?xml version="1.0" encoding="utf-8"?>
+<p:sld xmlns:a="http://schemas.openxmlformats.org/drawingml/2006/main" xmlns:r="http://schemas.openxmlformats.org/officeDocument/2006/relationships" xmlns:p="http://schemas.openxmlformats.org/presentationml/2006/main">
+  <p:cSld>
+    <p:spTree>
+      <p:nvGrpSpPr>
+        <p:cNvPr id="1" name=""/>
+        <p:cNvGrpSpPr/>
+        <p:nvPr/>
+      </p:nvGrpSpPr>
+      <p:grpSpPr>
+        <a:xfrm>
+          <a:off x="0" y="0"/>
+          <a:ext cx="0" cy="0"/>
+          <a:chOff x="0" y="0"/>
+          <a:chExt cx="0" cy="0"/>
+        </a:xfrm>
+      </p:grpSpPr>
+      <p:sp>
+        <p:nvSpPr>
+          <p:cNvPr id="3" name="Объект 2"/>
+          <p:cNvSpPr>
+            <a:spLocks noGrp="1"/>
+          </p:cNvSpPr>
+          <p:nvPr>
+            <p:ph idx="1"/>
+          </p:nvPr>
+        </p:nvSpPr>
+        <p:spPr>
+          <a:xfrm>
+            <a:off x="457200" y="476672"/>
+            <a:ext cx="8229600" cy="6000328"/>
+          </a:xfrm>
+        </p:spPr>
+        <p:txBody>
+          <a:bodyPr/>
+          <a:lstStyle/>
+          <a:p>
+            <a:pPr marL="274320" lvl="1" indent="0">
+              <a:buNone/>
+            </a:pPr>
+            <a:r>
+              <a:rPr lang="ru-RU" dirty="0" smtClean="0"/>
+              <a:t>- программа </a:t>
+            </a:r>
+            <a:r>
+              <a:rPr lang="ru-RU" dirty="0" err="1" smtClean="0"/>
+              <a:t>ставляет</a:t>
+            </a:r>
+            <a:r>
+              <a:rPr lang="ru-RU" dirty="0" smtClean="0"/>
+              <a:t> в расписание фиксированные пары</a:t>
+            </a:r>
+          </a:p>
+          <a:p>
+            <a:pPr marL="274320" lvl="1" indent="0">
+              <a:buNone/>
+            </a:pPr>
+            <a:r>
+              <a:rPr lang="ru-RU" dirty="0" smtClean="0"/>
+              <a:t>- программа проходит по списку уже сгенерированных 	расписаний и создает из каждого из них несколько новых 	расписаний, с еще одной добавленной парой, а затем 	создает из этих расписаний новый список.</a:t>
+            </a:r>
+          </a:p>
+          <a:p>
+            <a:pPr marL="274320" lvl="1" indent="0">
+              <a:buNone/>
+            </a:pPr>
+            <a:r>
+              <a:rPr lang="ru-RU" dirty="0"/>
+              <a:t>	</a:t>
+            </a:r>
+            <a:r>
+              <a:rPr lang="ru-RU" dirty="0" smtClean="0"/>
+              <a:t>- Программа отбирает из списка несколько лучших 	расписаний.</a:t>
+            </a:r>
+          </a:p>
+          <a:p>
+            <a:pPr marL="274320" lvl="1" indent="0">
+              <a:buNone/>
+            </a:pPr>
+            <a:r>
+              <a:rPr lang="ru-RU" dirty="0" smtClean="0"/>
+              <a:t>	- количество создаваемых на каждом шаге расписаний 	зависит от параметра качества генерации.</a:t>
+            </a:r>
+          </a:p>
+          <a:p>
+            <a:pPr marL="274320" lvl="1" indent="0">
+              <a:buNone/>
+            </a:pPr>
+            <a:r>
+              <a:rPr lang="ru-RU" dirty="0" smtClean="0"/>
+              <a:t>3. Программа сохраняет расписания в файл.</a:t>
+            </a:r>
+          </a:p>
+          <a:p>
+            <a:pPr marL="274320" lvl="1" indent="0">
+              <a:buNone/>
+            </a:pPr>
+            <a:endParaRPr lang="ru-RU" dirty="0"/>
+          </a:p>
+        </p:txBody>
+      </p:sp>
+      <p:pic>
+        <p:nvPicPr>
+          <p:cNvPr id="1026" name="Picture 2"/>
+          <p:cNvPicPr>
+            <a:picLocks noChangeAspect="1" noChangeArrowheads="1"/>
+          </p:cNvPicPr>
+          <p:nvPr/>
+        </p:nvPicPr>
+        <p:blipFill rotWithShape="1">
+          <a:blip r:embed="rId2">
+            <a:extLst>
+              <a:ext uri="{28A0092B-C50C-407E-A947-70E740481C1C}">
+                <a14:useLocalDpi xmlns:a14="http://schemas.microsoft.com/office/drawing/2010/main" val="0"/>
+              </a:ext>
+            </a:extLst>
+          </a:blip>
+          <a:srcRect b="32990"/>
+          <a:stretch/>
+        </p:blipFill>
+        <p:spPr bwMode="auto">
+          <a:xfrm>
+            <a:off x="2267744" y="4077072"/>
+            <a:ext cx="4644517" cy="2074840"/>
+          </a:xfrm>
+          <a:prstGeom prst="rect">
+            <a:avLst/>
+          </a:prstGeom>
+          <a:noFill/>
+          <a:ln>
+            <a:noFill/>
+          </a:ln>
+          <a:extLst>
+            <a:ext uri="{909E8E84-426E-40DD-AFC4-6F175D3DCCD1}">
+              <a14:hiddenFill xmlns:a14="http://schemas.microsoft.com/office/drawing/2010/main">
+                <a:solidFill>
+                  <a:schemeClr val="accent1"/>
+                </a:solidFill>
+              </a14:hiddenFill>
+            </a:ext>
+            <a:ext uri="{91240B29-F687-4F45-9708-019B960494DF}">
+              <a14:hiddenLine xmlns:a14="http://schemas.microsoft.com/office/drawing/2010/main" w="9525">
+                <a:solidFill>
+                  <a:schemeClr val="tx1"/>
+                </a:solidFill>
+                <a:miter lim="800000"/>
+                <a:headEnd/>
+                <a:tailEnd/>
+              </a14:hiddenLine>
+            </a:ext>
+          </a:extLst>
+        </p:spPr>
+      </p:pic>
+    </p:spTree>
+    <p:extLst>
+      <p:ext uri="{BB962C8B-B14F-4D97-AF65-F5344CB8AC3E}">
+        <p14:creationId xmlns:p14="http://schemas.microsoft.com/office/powerpoint/2010/main" val="1621268394"/>
+      </p:ext>
+    </p:extLst>
+  </p:cSld>
+  <p:clrMapOvr>
+    <a:masterClrMapping/>
+  </p:clrMapOvr>
+  <mc:AlternateContent xmlns:mc="http://schemas.openxmlformats.org/markup-compatibility/2006" xmlns:p14="http://schemas.microsoft.com/office/powerpoint/2010/main">
+    <mc:Choice Requires="p14">
+      <p:transition spd="med" p14:dur="700">
+        <p:fade/>
+      </p:transition>
+    </mc:Choice>
+    <mc:Fallback xmlns="">
+      <p:transition spd="med">
+        <p:fade/>
+      </p:transition>
+    </mc:Fallback>
+  </mc:AlternateContent>
+  <p:timing>
+    <p:tnLst>
+      <p:par>
+        <p:cTn id="1" dur="indefinite" restart="never" nodeType="tmRoot"/>
+      </p:par>
+    </p:tnLst>
+  </p:timing>
+</p:sld>
+</file>
+
+<file path=ppt/slides/slide9.xml><?xml version="1.0" encoding="utf-8"?>
+<p:sld xmlns:a="http://schemas.openxmlformats.org/drawingml/2006/main" xmlns:r="http://schemas.openxmlformats.org/officeDocument/2006/relationships" xmlns:p="http://schemas.openxmlformats.org/presentationml/2006/main">
+  <p:cSld>
+    <p:spTree>
+      <p:nvGrpSpPr>
+        <p:cNvPr id="1" name=""/>
+        <p:cNvGrpSpPr/>
+        <p:nvPr/>
+      </p:nvGrpSpPr>
+      <p:grpSpPr>
+        <a:xfrm>
+          <a:off x="0" y="0"/>
+          <a:ext cx="0" cy="0"/>
+          <a:chOff x="0" y="0"/>
+          <a:chExt cx="0" cy="0"/>
+        </a:xfrm>
+      </p:grpSpPr>
+      <p:sp>
+        <p:nvSpPr>
+          <p:cNvPr id="2" name="Заголовок 1"/>
+          <p:cNvSpPr>
+            <a:spLocks noGrp="1"/>
+          </p:cNvSpPr>
+          <p:nvPr>
+            <p:ph type="title"/>
+          </p:nvPr>
+        </p:nvSpPr>
+        <p:spPr/>
+        <p:txBody>
+          <a:bodyPr/>
+          <a:lstStyle/>
+          <a:p>
+            <a:r>
+              <a:rPr lang="ru-RU" dirty="0" smtClean="0"/>
+              <a:t>Выводы</a:t>
+            </a:r>
+            <a:endParaRPr lang="ru-RU" dirty="0"/>
+          </a:p>
+        </p:txBody>
+      </p:sp>
+      <p:sp>
+        <p:nvSpPr>
+          <p:cNvPr id="3" name="Объект 2"/>
+          <p:cNvSpPr>
+            <a:spLocks noGrp="1"/>
+          </p:cNvSpPr>
+          <p:nvPr>
+            <p:ph idx="1"/>
+          </p:nvPr>
+        </p:nvSpPr>
+        <p:spPr/>
+        <p:txBody>
+          <a:bodyPr/>
+          <a:lstStyle/>
+          <a:p>
+            <a:r>
+              <a:rPr lang="ru-RU" dirty="0" smtClean="0"/>
+              <a:t>Результат удовлетворяет цели проекта и изначальному ТЗ.</a:t>
+            </a:r>
+          </a:p>
+          <a:p>
+            <a:r>
+              <a:rPr lang="ru-RU" dirty="0" smtClean="0"/>
+              <a:t>Проект имеет направления развития:</a:t>
+            </a:r>
+          </a:p>
+          <a:p>
+            <a:pPr marL="731520" lvl="1" indent="-457200">
+              <a:buFont typeface="+mj-lt"/>
+              <a:buAutoNum type="arabicPeriod"/>
+            </a:pPr>
+            <a:r>
+              <a:rPr lang="ru-RU" dirty="0" smtClean="0"/>
+              <a:t>Добавление возможности упорядочивания неограниченного количества пар.</a:t>
+            </a:r>
+          </a:p>
+          <a:p>
+            <a:pPr marL="731520" lvl="1" indent="-457200">
+              <a:buFont typeface="+mj-lt"/>
+              <a:buAutoNum type="arabicPeriod"/>
+            </a:pPr>
+            <a:r>
+              <a:rPr lang="ru-RU" dirty="0" smtClean="0"/>
+              <a:t>Добавление возможности </a:t>
+            </a:r>
+            <a:r>
+              <a:rPr lang="ru-RU" dirty="0">
+                <a:latin typeface="Calibri" panose="020F0502020204030204" pitchFamily="34" charset="0"/>
+                <a:cs typeface="Calibri" panose="020F0502020204030204" pitchFamily="34" charset="0"/>
+              </a:rPr>
+              <a:t>сбора пар в один день</a:t>
+            </a:r>
+            <a:r>
+              <a:rPr lang="ru-RU" dirty="0" smtClean="0">
+                <a:latin typeface="Calibri" panose="020F0502020204030204" pitchFamily="34" charset="0"/>
+                <a:cs typeface="Calibri" panose="020F0502020204030204" pitchFamily="34" charset="0"/>
+              </a:rPr>
+              <a:t>.</a:t>
+            </a:r>
+            <a:endParaRPr lang="ru-RU" dirty="0" smtClean="0"/>
+          </a:p>
+          <a:p>
+            <a:pPr marL="731520" lvl="1" indent="-457200">
+              <a:buFont typeface="+mj-lt"/>
+              <a:buAutoNum type="arabicPeriod"/>
+            </a:pPr>
+            <a:r>
+              <a:rPr lang="ru-RU" dirty="0" smtClean="0"/>
+              <a:t>Улучшение интерфейса.</a:t>
+            </a:r>
+          </a:p>
+          <a:p>
+            <a:pPr marL="731520" lvl="1" indent="-457200">
+              <a:buFont typeface="+mj-lt"/>
+              <a:buAutoNum type="arabicPeriod"/>
+            </a:pPr>
+            <a:r>
+              <a:rPr lang="ru-RU" dirty="0"/>
+              <a:t>Добавление возможности</a:t>
+            </a:r>
+            <a:r>
+              <a:rPr lang="ru-RU" dirty="0" smtClean="0"/>
+              <a:t> адаптации программы под нужды других организаций.</a:t>
+            </a:r>
+            <a:endParaRPr lang="ru-RU" dirty="0"/>
+          </a:p>
+        </p:txBody>
+      </p:sp>
+    </p:spTree>
+    <p:extLst>
+      <p:ext uri="{BB962C8B-B14F-4D97-AF65-F5344CB8AC3E}">
+        <p14:creationId xmlns:p14="http://schemas.microsoft.com/office/powerpoint/2010/main" val="355888232"/>
+      </p:ext>
+    </p:extLst>
+  </p:cSld>
+  <p:clrMapOvr>
+    <a:masterClrMapping/>
+  </p:clrMapOvr>
+  <mc:AlternateContent xmlns:mc="http://schemas.openxmlformats.org/markup-compatibility/2006" xmlns:p14="http://schemas.microsoft.com/office/powerpoint/2010/main">
+    <mc:Choice Requires="p14">
+      <p:transition spd="med" p14:dur="700">
+        <p:fade/>
+      </p:transition>
+    </mc:Choice>
+    <mc:Fallback xmlns="">
+      <p:transition spd="med">
+        <p:fade/>
+      </p:transition>
+    </mc:Fallback>
+  </mc:AlternateContent>
+  <p:timing>
+    <p:tnLst>
+      <p:par>
+        <p:cTn id="1" dur="indefinite" restart="never" nodeType="tmRoot"/>
+      </p:par>
+    </p:tnLst>
+  </p:timing>
+</p:sld>
+</file>
+
 <file path=ppt/theme/theme1.xml><?xml version="1.0" encoding="utf-8"?>
 <a:theme xmlns:a="http://schemas.openxmlformats.org/drawingml/2006/main" name="Ясность">
   <a:themeElements>
@@ -5731,76 +5273,16 @@
         <a:srgbClr val="800080"/>
       </a:folHlink>
     </a:clrScheme>
-    <a:fontScheme name="Классическая 2">
+    <a:fontScheme name="Другая 1">
       <a:majorFont>
-        <a:latin typeface="Arial"/>
+        <a:latin typeface="Calibri"/>
         <a:ea typeface=""/>
         <a:cs typeface=""/>
-        <a:font script="Jpan" typeface="ＭＳ Ｐゴシック"/>
-        <a:font script="Hang" typeface="돋움"/>
-        <a:font script="Hans" typeface="方正舒体"/>
-        <a:font script="Hant" typeface="微軟正黑體"/>
-        <a:font script="Arab" typeface="Arial"/>
-        <a:font script="Hebr" typeface="Arial"/>
-        <a:font script="Thai" typeface="Cordia New"/>
-        <a:font script="Ethi" typeface="Nyala"/>
-        <a:font script="Beng" typeface="Vrinda"/>
-        <a:font script="Gujr" typeface="Shruti"/>
-        <a:font script="Khmr" typeface="DaunPenh"/>
-        <a:font script="Knda" typeface="Tunga"/>
-        <a:font script="Guru" typeface="Raavi"/>
-        <a:font script="Cans" typeface="Euphemia"/>
-        <a:font script="Cher" typeface="Plantagenet Cherokee"/>
-        <a:font script="Yiii" typeface="Microsoft Yi Baiti"/>
-        <a:font script="Tibt" typeface="Microsoft Himalaya"/>
-        <a:font script="Thaa" typeface="MV Boli"/>
-        <a:font script="Deva" typeface="Mangal"/>
-        <a:font script="Telu" typeface="Gautami"/>
-        <a:font script="Taml" typeface="Latha"/>
-        <a:font script="Syrc" typeface="Estrangelo Edessa"/>
-        <a:font script="Orya" typeface="Kalinga"/>
-        <a:font script="Mlym" typeface="Kartika"/>
-        <a:font script="Laoo" typeface="DokChampa"/>
-        <a:font script="Sinh" typeface="Iskoola Pota"/>
-        <a:font script="Mong" typeface="Mongolian Baiti"/>
-        <a:font script="Viet" typeface="Arial"/>
-        <a:font script="Uigh" typeface="Microsoft Uighur"/>
-        <a:font script="Geor" typeface="Sylfaen"/>
       </a:majorFont>
       <a:minorFont>
-        <a:latin typeface="Arial"/>
+        <a:latin typeface="Calibri"/>
         <a:ea typeface=""/>
         <a:cs typeface=""/>
-        <a:font script="Jpan" typeface="ＭＳ Ｐゴシック"/>
-        <a:font script="Hang" typeface="돋움"/>
-        <a:font script="Hans" typeface="方正舒体"/>
-        <a:font script="Hant" typeface="微軟正黑體"/>
-        <a:font script="Arab" typeface="Arial"/>
-        <a:font script="Hebr" typeface="Arial"/>
-        <a:font script="Thai" typeface="Cordia New"/>
-        <a:font script="Ethi" typeface="Nyala"/>
-        <a:font script="Beng" typeface="Vrinda"/>
-        <a:font script="Gujr" typeface="Shruti"/>
-        <a:font script="Khmr" typeface="DaunPenh"/>
-        <a:font script="Knda" typeface="Tunga"/>
-        <a:font script="Guru" typeface="Raavi"/>
-        <a:font script="Cans" typeface="Euphemia"/>
-        <a:font script="Cher" typeface="Plantagenet Cherokee"/>
-        <a:font script="Yiii" typeface="Microsoft Yi Baiti"/>
-        <a:font script="Tibt" typeface="Microsoft Himalaya"/>
-        <a:font script="Thaa" typeface="MV Boli"/>
-        <a:font script="Deva" typeface="Mangal"/>
-        <a:font script="Telu" typeface="Gautami"/>
-        <a:font script="Taml" typeface="Latha"/>
-        <a:font script="Syrc" typeface="Estrangelo Edessa"/>
-        <a:font script="Orya" typeface="Kalinga"/>
-        <a:font script="Mlym" typeface="Kartika"/>
-        <a:font script="Laoo" typeface="DokChampa"/>
-        <a:font script="Sinh" typeface="Iskoola Pota"/>
-        <a:font script="Mong" typeface="Mongolian Baiti"/>
-        <a:font script="Viet" typeface="Arial"/>
-        <a:font script="Uigh" typeface="Microsoft Uighur"/>
-        <a:font script="Geor" typeface="Sylfaen"/>
       </a:minorFont>
     </a:fontScheme>
     <a:fmtScheme name="Ясность">
